--- a/Raptors Team PPT.pptx
+++ b/Raptors Team PPT.pptx
@@ -36,22 +36,22 @@
   <p:notesSz cx="6858000" cy="9144000"/>
   <p:embeddedFontLst>
     <p:embeddedFont>
-      <p:font typeface="Calibri" panose="020F0502020204030204" pitchFamily="34" charset="0"/>
+      <p:font typeface="Old Standard TT" panose="020B0604020202020204" charset="0"/>
       <p:regular r:id="rId26"/>
       <p:bold r:id="rId27"/>
       <p:italic r:id="rId28"/>
-      <p:boldItalic r:id="rId29"/>
-    </p:embeddedFont>
-    <p:embeddedFont>
-      <p:font typeface="Old Standard TT" panose="020B0604020202020204" charset="0"/>
-      <p:regular r:id="rId30"/>
-      <p:bold r:id="rId31"/>
-      <p:italic r:id="rId32"/>
     </p:embeddedFont>
     <p:embeddedFont>
       <p:font typeface="Gill Sans" panose="020B0604020202020204" charset="0"/>
-      <p:regular r:id="rId33"/>
-      <p:bold r:id="rId34"/>
+      <p:regular r:id="rId29"/>
+      <p:bold r:id="rId30"/>
+    </p:embeddedFont>
+    <p:embeddedFont>
+      <p:font typeface="Calibri" panose="020F0502020204030204" pitchFamily="34" charset="0"/>
+      <p:regular r:id="rId31"/>
+      <p:bold r:id="rId32"/>
+      <p:italic r:id="rId33"/>
+      <p:boldItalic r:id="rId34"/>
     </p:embeddedFont>
   </p:embeddedFontLst>
   <p:defaultTextStyle>
@@ -283,6 +283,11 @@
       </a:defRPr>
     </a:lvl9pPr>
   </p:defaultTextStyle>
+  <p:extLst>
+    <p:ext uri="{EFAFB233-063F-42B5-8137-9DF3F51BA10A}">
+      <p15:sldGuideLst xmlns:p15="http://schemas.microsoft.com/office/powerpoint/2012/main"/>
+    </p:ext>
+  </p:extLst>
 </p:presentation>
 </file>
 
@@ -36397,20 +36402,12 @@
           </a:bodyPr>
           <a:lstStyle/>
           <a:p>
-            <a:pPr marL="0" lvl="0" indent="0" algn="l" rtl="0">
-              <a:spcBef>
-                <a:spcPts val="0"/>
-              </a:spcBef>
-              <a:spcAft>
-                <a:spcPts val="0"/>
-              </a:spcAft>
-              <a:buNone/>
-            </a:pPr>
+            <a:pPr lvl="0"/>
             <a:r>
-              <a:rPr lang="en-US"/>
-              <a:t>xyz</a:t>
+              <a:rPr lang="en-US" dirty="0" err="1"/>
+              <a:t>N.Dambadeniya</a:t>
             </a:r>
-            <a:endParaRPr/>
+            <a:endParaRPr lang="en-US" dirty="0"/>
           </a:p>
         </p:txBody>
       </p:sp>
@@ -37646,10 +37643,10 @@
               <a:buNone/>
             </a:pPr>
             <a:r>
-              <a:rPr lang="en-US"/>
+              <a:rPr lang="en-US" dirty="0" err="1"/>
               <a:t>N.Dambadeniya</a:t>
             </a:r>
-            <a:endParaRPr/>
+            <a:endParaRPr dirty="0"/>
           </a:p>
         </p:txBody>
       </p:sp>

--- a/Raptors Team PPT.pptx
+++ b/Raptors Team PPT.pptx
@@ -36,22 +36,22 @@
   <p:notesSz cx="6858000" cy="9144000"/>
   <p:embeddedFontLst>
     <p:embeddedFont>
-      <p:font typeface="Old Standard TT" panose="020B0604020202020204" charset="0"/>
+      <p:font typeface="Calibri" panose="020F0502020204030204" pitchFamily="34" charset="0"/>
       <p:regular r:id="rId26"/>
       <p:bold r:id="rId27"/>
       <p:italic r:id="rId28"/>
+      <p:boldItalic r:id="rId29"/>
+    </p:embeddedFont>
+    <p:embeddedFont>
+      <p:font typeface="Old Standard TT" panose="020B0604020202020204" charset="0"/>
+      <p:regular r:id="rId30"/>
+      <p:bold r:id="rId31"/>
+      <p:italic r:id="rId32"/>
     </p:embeddedFont>
     <p:embeddedFont>
       <p:font typeface="Gill Sans" panose="020B0604020202020204" charset="0"/>
-      <p:regular r:id="rId29"/>
-      <p:bold r:id="rId30"/>
-    </p:embeddedFont>
-    <p:embeddedFont>
-      <p:font typeface="Calibri" panose="020F0502020204030204" pitchFamily="34" charset="0"/>
-      <p:regular r:id="rId31"/>
-      <p:bold r:id="rId32"/>
-      <p:italic r:id="rId33"/>
-      <p:boldItalic r:id="rId34"/>
+      <p:regular r:id="rId33"/>
+      <p:bold r:id="rId34"/>
     </p:embeddedFont>
   </p:embeddedFontLst>
   <p:defaultTextStyle>
@@ -37693,7 +37693,7 @@
               <a:buChar char="•"/>
             </a:pPr>
             <a:r>
-              <a:rPr lang="en-US" u="sng">
+              <a:rPr lang="en-US" u="sng" dirty="0">
                 <a:solidFill>
                   <a:schemeClr val="hlink"/>
                 </a:solidFill>
@@ -37701,7 +37701,7 @@
               </a:rPr>
               <a:t>https://redmonk.com/fryan/2018/03/26/a-look-at-unit-testing-frameworks/</a:t>
             </a:r>
-            <a:endParaRPr/>
+            <a:endParaRPr dirty="0"/>
           </a:p>
           <a:p>
             <a:pPr marL="457200" lvl="0" indent="-381000" algn="just" rtl="0">
@@ -37718,7 +37718,7 @@
               <a:buChar char="•"/>
             </a:pPr>
             <a:r>
-              <a:rPr lang="en-US" u="sng">
+              <a:rPr lang="en-US" u="sng" dirty="0">
                 <a:solidFill>
                   <a:schemeClr val="hlink"/>
                 </a:solidFill>
@@ -37726,7 +37726,7 @@
               </a:rPr>
               <a:t>https://nunit.org/</a:t>
             </a:r>
-            <a:endParaRPr/>
+            <a:endParaRPr dirty="0"/>
           </a:p>
           <a:p>
             <a:pPr marL="457200" lvl="0" indent="-381000" algn="just" rtl="0">
@@ -37743,7 +37743,7 @@
               <a:buChar char="•"/>
             </a:pPr>
             <a:r>
-              <a:rPr lang="en-US" u="sng">
+              <a:rPr lang="en-US" u="sng" dirty="0">
                 <a:solidFill>
                   <a:schemeClr val="hlink"/>
                 </a:solidFill>
@@ -37751,7 +37751,7 @@
               </a:rPr>
               <a:t>https://xunit.github.io/</a:t>
             </a:r>
-            <a:endParaRPr/>
+            <a:endParaRPr dirty="0"/>
           </a:p>
           <a:p>
             <a:pPr marL="457200" lvl="0" indent="-381000" algn="just" rtl="0">
@@ -37768,7 +37768,7 @@
               <a:buChar char="•"/>
             </a:pPr>
             <a:r>
-              <a:rPr lang="en-US" u="sng">
+              <a:rPr lang="en-US" u="sng" dirty="0">
                 <a:solidFill>
                   <a:schemeClr val="hlink"/>
                 </a:solidFill>
@@ -37776,7 +37776,7 @@
               </a:rPr>
               <a:t>https://www.youtube.com/watch?v=ub3P8c87cwk</a:t>
             </a:r>
-            <a:endParaRPr/>
+            <a:endParaRPr dirty="0"/>
           </a:p>
           <a:p>
             <a:pPr marL="457200" lvl="0" indent="-381000" algn="just" rtl="0">
@@ -37792,6 +37792,15 @@
               <a:buSzPts val="2400"/>
               <a:buChar char="•"/>
             </a:pPr>
+            <a:r>
+              <a:rPr lang="en-US" u="sng" dirty="0">
+                <a:solidFill>
+                  <a:schemeClr val="hlink"/>
+                </a:solidFill>
+                <a:hlinkClick r:id="rId7"/>
+              </a:rPr>
+              <a:t>https</a:t>
+            </a:r>
             <a:r>
               <a:rPr lang="en-US" u="sng">
                 <a:solidFill>
@@ -37799,9 +37808,18 @@
                 </a:solidFill>
                 <a:hlinkClick r:id="rId7"/>
               </a:rPr>
-              <a:t>https://en.wikipedia.org/wiki/Code_coverage</a:t>
+              <a:t>://</a:t>
             </a:r>
-            <a:endParaRPr/>
+            <a:r>
+              <a:rPr lang="en-US" u="sng" smtClean="0">
+                <a:solidFill>
+                  <a:schemeClr val="hlink"/>
+                </a:solidFill>
+                <a:hlinkClick r:id="rId7"/>
+              </a:rPr>
+              <a:t>en.wikipedia.org/wiki/Code_coverage</a:t>
+            </a:r>
+            <a:endParaRPr dirty="0"/>
           </a:p>
           <a:p>
             <a:pPr marL="457200" lvl="0" indent="0" algn="just" rtl="0">
@@ -37812,41 +37830,11 @@
                 <a:spcPts val="1650"/>
               </a:spcBef>
               <a:spcAft>
-                <a:spcPts val="0"/>
+                <a:spcPts val="1000"/>
               </a:spcAft>
               <a:buNone/>
             </a:pPr>
-            <a:endParaRPr/>
-          </a:p>
-          <a:p>
-            <a:pPr marL="457200" lvl="0" indent="0" algn="just" rtl="0">
-              <a:lnSpc>
-                <a:spcPct val="90000"/>
-              </a:lnSpc>
-              <a:spcBef>
-                <a:spcPts val="1650"/>
-              </a:spcBef>
-              <a:spcAft>
-                <a:spcPts val="0"/>
-              </a:spcAft>
-              <a:buNone/>
-            </a:pPr>
-            <a:endParaRPr/>
-          </a:p>
-          <a:p>
-            <a:pPr marL="457200" lvl="0" indent="0" algn="just" rtl="0">
-              <a:lnSpc>
-                <a:spcPct val="90000"/>
-              </a:lnSpc>
-              <a:spcBef>
-                <a:spcPts val="1650"/>
-              </a:spcBef>
-              <a:spcAft>
-                <a:spcPts val="1000"/>
-              </a:spcAft>
-              <a:buNone/>
-            </a:pPr>
-            <a:endParaRPr/>
+            <a:endParaRPr dirty="0"/>
           </a:p>
         </p:txBody>
       </p:sp>

--- a/Raptors Team PPT.pptx
+++ b/Raptors Team PPT.pptx
@@ -36,22 +36,22 @@
   <p:notesSz cx="6858000" cy="9144000"/>
   <p:embeddedFontLst>
     <p:embeddedFont>
-      <p:font typeface="Calibri" panose="020F0502020204030204" pitchFamily="34" charset="0"/>
+      <p:font typeface="Old Standard TT" panose="020B0604020202020204" charset="0"/>
       <p:regular r:id="rId26"/>
       <p:bold r:id="rId27"/>
       <p:italic r:id="rId28"/>
-      <p:boldItalic r:id="rId29"/>
+    </p:embeddedFont>
+    <p:embeddedFont>
+      <p:font typeface="Calibri" panose="020F0502020204030204" pitchFamily="34" charset="0"/>
+      <p:regular r:id="rId29"/>
+      <p:bold r:id="rId30"/>
+      <p:italic r:id="rId31"/>
+      <p:boldItalic r:id="rId32"/>
     </p:embeddedFont>
     <p:embeddedFont>
       <p:font typeface="Gill Sans" panose="020B0604020202020204" charset="0"/>
-      <p:regular r:id="rId30"/>
-      <p:bold r:id="rId31"/>
-    </p:embeddedFont>
-    <p:embeddedFont>
-      <p:font typeface="Old Standard TT" panose="020B0604020202020204" charset="0"/>
-      <p:regular r:id="rId32"/>
-      <p:bold r:id="rId33"/>
-      <p:italic r:id="rId34"/>
+      <p:regular r:id="rId33"/>
+      <p:bold r:id="rId34"/>
     </p:embeddedFont>
   </p:embeddedFontLst>
   <p:defaultTextStyle>
@@ -36505,20 +36505,20 @@
           </a:bodyPr>
           <a:lstStyle/>
           <a:p>
-            <a:pPr marL="0" lvl="0" indent="0" algn="l" rtl="0">
-              <a:spcBef>
-                <a:spcPts val="0"/>
-              </a:spcBef>
-              <a:spcAft>
-                <a:spcPts val="0"/>
-              </a:spcAft>
-              <a:buNone/>
-            </a:pPr>
+            <a:pPr lvl="0"/>
             <a:r>
-              <a:rPr lang="en-US"/>
-              <a:t>xyz</a:t>
+              <a:rPr lang="en-US" dirty="0" err="1"/>
+              <a:t>Nilantha</a:t>
             </a:r>
-            <a:endParaRPr/>
+            <a:r>
+              <a:rPr lang="en-US" dirty="0"/>
+              <a:t> </a:t>
+            </a:r>
+            <a:r>
+              <a:rPr lang="en-US" dirty="0" err="1"/>
+              <a:t>Dambadeniya</a:t>
+            </a:r>
+            <a:endParaRPr lang="en-US" dirty="0"/>
           </a:p>
         </p:txBody>
       </p:sp>
@@ -37369,20 +37369,20 @@
           </a:bodyPr>
           <a:lstStyle/>
           <a:p>
-            <a:pPr marL="0" lvl="0" indent="0" algn="l" rtl="0">
-              <a:spcBef>
-                <a:spcPts val="0"/>
-              </a:spcBef>
-              <a:spcAft>
-                <a:spcPts val="0"/>
-              </a:spcAft>
-              <a:buNone/>
-            </a:pPr>
+            <a:pPr lvl="0"/>
             <a:r>
-              <a:rPr lang="en-US"/>
-              <a:t>N.Dambadeniya</a:t>
+              <a:rPr lang="en-US" dirty="0" err="1"/>
+              <a:t>Nilantha</a:t>
             </a:r>
-            <a:endParaRPr/>
+            <a:r>
+              <a:rPr lang="en-US" dirty="0"/>
+              <a:t> </a:t>
+            </a:r>
+            <a:r>
+              <a:rPr lang="en-US" dirty="0" err="1"/>
+              <a:t>Dambadeniya</a:t>
+            </a:r>
+            <a:endParaRPr lang="en-US" dirty="0"/>
           </a:p>
         </p:txBody>
       </p:sp>
@@ -37429,10 +37429,10 @@
               <a:buChar char="•"/>
             </a:pPr>
             <a:r>
-              <a:rPr lang="en-US"/>
+              <a:rPr lang="en-US" dirty="0"/>
               <a:t>Testing is perhaps the most frequently spoken about, but most often ignored aspect of software development.</a:t>
             </a:r>
-            <a:endParaRPr/>
+            <a:endParaRPr dirty="0"/>
           </a:p>
           <a:p>
             <a:pPr marL="457200" lvl="0" indent="-381000" algn="just" rtl="0">
@@ -37449,10 +37449,10 @@
               <a:buChar char="•"/>
             </a:pPr>
             <a:r>
-              <a:rPr lang="en-US"/>
+              <a:rPr lang="en-US" dirty="0"/>
               <a:t>Unit tests are the most basic level of testing</a:t>
             </a:r>
-            <a:endParaRPr/>
+            <a:endParaRPr dirty="0"/>
           </a:p>
           <a:p>
             <a:pPr marL="457200" lvl="0" indent="-381000" algn="just" rtl="0">
@@ -37469,10 +37469,10 @@
               <a:buChar char="•"/>
             </a:pPr>
             <a:r>
-              <a:rPr lang="en-US"/>
+              <a:rPr lang="en-US" dirty="0"/>
               <a:t>Unit testing can be done manual or automated</a:t>
             </a:r>
-            <a:endParaRPr/>
+            <a:endParaRPr dirty="0"/>
           </a:p>
           <a:p>
             <a:pPr marL="457200" lvl="0" indent="-381000" algn="just" rtl="0">
@@ -37489,10 +37489,10 @@
               <a:buChar char="•"/>
             </a:pPr>
             <a:r>
-              <a:rPr lang="en-US"/>
+              <a:rPr lang="en-US" dirty="0"/>
               <a:t>Advantages and disadvantages of unit testing</a:t>
             </a:r>
-            <a:endParaRPr/>
+            <a:endParaRPr dirty="0"/>
           </a:p>
           <a:p>
             <a:pPr marL="457200" lvl="0" indent="-381000" algn="just" rtl="0">
@@ -37509,10 +37509,26 @@
               <a:buChar char="•"/>
             </a:pPr>
             <a:r>
-              <a:rPr lang="en-US"/>
-              <a:t>Unit testing frameworks (MST, NUnit, XUnit)</a:t>
+              <a:rPr lang="en-US" dirty="0"/>
+              <a:t>Unit testing frameworks (MST, </a:t>
             </a:r>
-            <a:endParaRPr/>
+            <a:r>
+              <a:rPr lang="en-US" dirty="0" err="1"/>
+              <a:t>NUnit</a:t>
+            </a:r>
+            <a:r>
+              <a:rPr lang="en-US" dirty="0"/>
+              <a:t>, </a:t>
+            </a:r>
+            <a:r>
+              <a:rPr lang="en-US" dirty="0" err="1"/>
+              <a:t>XUnit</a:t>
+            </a:r>
+            <a:r>
+              <a:rPr lang="en-US" dirty="0"/>
+              <a:t>)</a:t>
+            </a:r>
+            <a:endParaRPr dirty="0"/>
           </a:p>
           <a:p>
             <a:pPr marL="457200" lvl="0" indent="-381000" algn="just" rtl="0">
@@ -37529,10 +37545,10 @@
               <a:buChar char="•"/>
             </a:pPr>
             <a:r>
-              <a:rPr lang="en-US"/>
+              <a:rPr lang="en-US" dirty="0"/>
               <a:t>Code coverage / test coverage</a:t>
             </a:r>
-            <a:endParaRPr/>
+            <a:endParaRPr dirty="0"/>
           </a:p>
           <a:p>
             <a:pPr marL="457200" lvl="0" indent="-381000" algn="just" rtl="0">
@@ -37549,10 +37565,10 @@
               <a:buChar char="•"/>
             </a:pPr>
             <a:r>
-              <a:rPr lang="en-US"/>
+              <a:rPr lang="en-US" dirty="0"/>
               <a:t> Continuous Integration</a:t>
             </a:r>
-            <a:endParaRPr/>
+            <a:endParaRPr dirty="0"/>
           </a:p>
           <a:p>
             <a:pPr marL="457200" lvl="0" indent="0" algn="just" rtl="0">
@@ -37567,7 +37583,7 @@
               </a:spcAft>
               <a:buNone/>
             </a:pPr>
-            <a:endParaRPr/>
+            <a:endParaRPr dirty="0"/>
           </a:p>
           <a:p>
             <a:pPr marL="457200" lvl="0" indent="0" algn="just" rtl="0">
@@ -37582,7 +37598,7 @@
               </a:spcAft>
               <a:buNone/>
             </a:pPr>
-            <a:endParaRPr/>
+            <a:endParaRPr dirty="0"/>
           </a:p>
         </p:txBody>
       </p:sp>
@@ -37744,20 +37760,20 @@
           </a:bodyPr>
           <a:lstStyle/>
           <a:p>
-            <a:pPr marL="0" lvl="0" indent="0" algn="l" rtl="0">
-              <a:spcBef>
-                <a:spcPts val="0"/>
-              </a:spcBef>
-              <a:spcAft>
-                <a:spcPts val="0"/>
-              </a:spcAft>
-              <a:buNone/>
-            </a:pPr>
+            <a:pPr lvl="0"/>
             <a:r>
-              <a:rPr lang="en-US"/>
-              <a:t>N.Dambadeniya</a:t>
+              <a:rPr lang="en-US" dirty="0" err="1"/>
+              <a:t>Nilantha</a:t>
             </a:r>
-            <a:endParaRPr/>
+            <a:r>
+              <a:rPr lang="en-US" dirty="0"/>
+              <a:t> </a:t>
+            </a:r>
+            <a:r>
+              <a:rPr lang="en-US" dirty="0" err="1"/>
+              <a:t>Dambadeniya</a:t>
+            </a:r>
+            <a:endParaRPr lang="en-US" dirty="0"/>
           </a:p>
         </p:txBody>
       </p:sp>
@@ -38295,55 +38311,6 @@
       </p:sp>
       <p:sp>
         <p:nvSpPr>
-          <p:cNvPr id="511" name="Google Shape;511;p46"/>
-          <p:cNvSpPr txBox="1">
-            <a:spLocks noGrp="1"/>
-          </p:cNvSpPr>
-          <p:nvPr>
-            <p:ph type="body" idx="1"/>
-          </p:nvPr>
-        </p:nvSpPr>
-        <p:spPr>
-          <a:xfrm>
-            <a:off x="623888" y="4589464"/>
-            <a:ext cx="7886700" cy="1500187"/>
-          </a:xfrm>
-          <a:prstGeom prst="rect">
-            <a:avLst/>
-          </a:prstGeom>
-          <a:noFill/>
-          <a:ln>
-            <a:noFill/>
-          </a:ln>
-        </p:spPr>
-        <p:txBody>
-          <a:bodyPr spcFirstLastPara="1" wrap="square" lIns="91425" tIns="45700" rIns="91425" bIns="45700" anchor="t" anchorCtr="0">
-            <a:noAutofit/>
-          </a:bodyPr>
-          <a:lstStyle/>
-          <a:p>
-            <a:pPr marL="0" lvl="0" indent="0" algn="l" rtl="0">
-              <a:lnSpc>
-                <a:spcPct val="90000"/>
-              </a:lnSpc>
-              <a:spcBef>
-                <a:spcPts val="0"/>
-              </a:spcBef>
-              <a:spcAft>
-                <a:spcPts val="0"/>
-              </a:spcAft>
-              <a:buClr>
-                <a:srgbClr val="888888"/>
-              </a:buClr>
-              <a:buSzPts val="2000"/>
-              <a:buNone/>
-            </a:pPr>
-            <a:endParaRPr/>
-          </a:p>
-        </p:txBody>
-      </p:sp>
-      <p:sp>
-        <p:nvSpPr>
           <p:cNvPr id="512" name="Google Shape;512;p46"/>
           <p:cNvSpPr txBox="1">
             <a:spLocks noGrp="1"/>
@@ -38427,10 +38394,18 @@
               <a:buNone/>
             </a:pPr>
             <a:r>
-              <a:rPr lang="en-US"/>
-              <a:t>Nilantha Dambadeniya</a:t>
+              <a:rPr lang="en-US" dirty="0" err="1"/>
+              <a:t>Nilantha</a:t>
             </a:r>
-            <a:endParaRPr/>
+            <a:r>
+              <a:rPr lang="en-US" dirty="0"/>
+              <a:t> </a:t>
+            </a:r>
+            <a:r>
+              <a:rPr lang="en-US" dirty="0" err="1"/>
+              <a:t>Dambadeniya</a:t>
+            </a:r>
+            <a:endParaRPr dirty="0"/>
           </a:p>
         </p:txBody>
       </p:sp>

--- a/Raptors Team PPT.pptx
+++ b/Raptors Team PPT.pptx
@@ -35205,18 +35205,22 @@
               <a:buChar char="•"/>
             </a:pPr>
             <a:r>
-              <a:rPr lang="en-US"/>
+              <a:rPr lang="en-US" b="1" dirty="0" smtClean="0"/>
+              <a:t>Code</a:t>
+            </a:r>
+            <a:r>
+              <a:rPr lang="en-US" b="1" dirty="0" smtClean="0"/>
               <a:t> </a:t>
             </a:r>
             <a:r>
-              <a:rPr lang="en-US" b="1"/>
-              <a:t>Test coverage</a:t>
+              <a:rPr lang="en-US" b="1" dirty="0"/>
+              <a:t>coverage</a:t>
             </a:r>
             <a:r>
-              <a:rPr lang="en-US"/>
+              <a:rPr lang="en-US" dirty="0"/>
               <a:t> is a measure used to describe the degree to which the source code of a program is executed when a particular test suite runs - (Wikipedia)</a:t>
             </a:r>
-            <a:endParaRPr/>
+            <a:endParaRPr dirty="0"/>
           </a:p>
           <a:p>
             <a:pPr marL="171450" lvl="0" indent="-171450" algn="just" rtl="0">
@@ -35233,10 +35237,22 @@
               <a:buChar char="•"/>
             </a:pPr>
             <a:r>
-              <a:rPr lang="en-US"/>
-              <a:t>A program with high test coverage, measured as a percentage, has lower chance of undetected bugs.</a:t>
+              <a:rPr lang="en-US" dirty="0"/>
+              <a:t>A program with high </a:t>
             </a:r>
-            <a:endParaRPr/>
+            <a:r>
+              <a:rPr lang="en-US" dirty="0" smtClean="0"/>
+              <a:t>code</a:t>
+            </a:r>
+            <a:r>
+              <a:rPr lang="en-US" dirty="0" smtClean="0"/>
+              <a:t> </a:t>
+            </a:r>
+            <a:r>
+              <a:rPr lang="en-US" dirty="0"/>
+              <a:t>coverage, measured as a percentage, has lower chance of undetected bugs.</a:t>
+            </a:r>
+            <a:endParaRPr dirty="0"/>
           </a:p>
         </p:txBody>
       </p:sp>
@@ -35349,10 +35365,10 @@
               <a:buNone/>
             </a:pPr>
             <a:r>
-              <a:rPr lang="en-US"/>
+              <a:rPr lang="en-US" dirty="0"/>
               <a:t>Meghana Putta</a:t>
             </a:r>
-            <a:endParaRPr/>
+            <a:endParaRPr dirty="0"/>
           </a:p>
         </p:txBody>
       </p:sp>
